--- a/images/covers.pptx
+++ b/images/covers.pptx
@@ -108,6 +108,11 @@
       </a:defRPr>
     </a:lvl9pPr>
   </p:defaultTextStyle>
+  <p:extLst>
+    <p:ext uri="{EFAFB233-063F-42B5-8137-9DF3F51BA10A}">
+      <p15:sldGuideLst xmlns:p15="http://schemas.microsoft.com/office/powerpoint/2012/main"/>
+    </p:ext>
+  </p:extLst>
 </p:presentation>
 </file>
 
@@ -193,7 +198,7 @@
           <a:p>
             <a:fld id="{AA86A96A-3496-0944-82D4-9272D5CF715C}" type="datetimeFigureOut">
               <a:rPr lang="en-US" smtClean="0"/>
-              <a:t>11/12/22</a:t>
+              <a:t>11/14/22</a:t>
             </a:fld>
             <a:endParaRPr lang="en-US"/>
           </a:p>
@@ -591,7 +596,7 @@
           <a:p>
             <a:fld id="{FDB65114-51EC-8D47-87B1-3FB5531063A6}" type="datetimeFigureOut">
               <a:rPr lang="en-US" smtClean="0"/>
-              <a:t>11/12/22</a:t>
+              <a:t>11/14/22</a:t>
             </a:fld>
             <a:endParaRPr lang="en-US"/>
           </a:p>
@@ -761,7 +766,7 @@
           <a:p>
             <a:fld id="{FDB65114-51EC-8D47-87B1-3FB5531063A6}" type="datetimeFigureOut">
               <a:rPr lang="en-US" smtClean="0"/>
-              <a:t>11/12/22</a:t>
+              <a:t>11/14/22</a:t>
             </a:fld>
             <a:endParaRPr lang="en-US"/>
           </a:p>
@@ -941,7 +946,7 @@
           <a:p>
             <a:fld id="{FDB65114-51EC-8D47-87B1-3FB5531063A6}" type="datetimeFigureOut">
               <a:rPr lang="en-US" smtClean="0"/>
-              <a:t>11/12/22</a:t>
+              <a:t>11/14/22</a:t>
             </a:fld>
             <a:endParaRPr lang="en-US"/>
           </a:p>
@@ -1111,7 +1116,7 @@
           <a:p>
             <a:fld id="{FDB65114-51EC-8D47-87B1-3FB5531063A6}" type="datetimeFigureOut">
               <a:rPr lang="en-US" smtClean="0"/>
-              <a:t>11/12/22</a:t>
+              <a:t>11/14/22</a:t>
             </a:fld>
             <a:endParaRPr lang="en-US"/>
           </a:p>
@@ -1355,7 +1360,7 @@
           <a:p>
             <a:fld id="{FDB65114-51EC-8D47-87B1-3FB5531063A6}" type="datetimeFigureOut">
               <a:rPr lang="en-US" smtClean="0"/>
-              <a:t>11/12/22</a:t>
+              <a:t>11/14/22</a:t>
             </a:fld>
             <a:endParaRPr lang="en-US"/>
           </a:p>
@@ -1587,7 +1592,7 @@
           <a:p>
             <a:fld id="{FDB65114-51EC-8D47-87B1-3FB5531063A6}" type="datetimeFigureOut">
               <a:rPr lang="en-US" smtClean="0"/>
-              <a:t>11/12/22</a:t>
+              <a:t>11/14/22</a:t>
             </a:fld>
             <a:endParaRPr lang="en-US"/>
           </a:p>
@@ -1954,7 +1959,7 @@
           <a:p>
             <a:fld id="{FDB65114-51EC-8D47-87B1-3FB5531063A6}" type="datetimeFigureOut">
               <a:rPr lang="en-US" smtClean="0"/>
-              <a:t>11/12/22</a:t>
+              <a:t>11/14/22</a:t>
             </a:fld>
             <a:endParaRPr lang="en-US"/>
           </a:p>
@@ -2072,7 +2077,7 @@
           <a:p>
             <a:fld id="{FDB65114-51EC-8D47-87B1-3FB5531063A6}" type="datetimeFigureOut">
               <a:rPr lang="en-US" smtClean="0"/>
-              <a:t>11/12/22</a:t>
+              <a:t>11/14/22</a:t>
             </a:fld>
             <a:endParaRPr lang="en-US"/>
           </a:p>
@@ -2167,7 +2172,7 @@
           <a:p>
             <a:fld id="{FDB65114-51EC-8D47-87B1-3FB5531063A6}" type="datetimeFigureOut">
               <a:rPr lang="en-US" smtClean="0"/>
-              <a:t>11/12/22</a:t>
+              <a:t>11/14/22</a:t>
             </a:fld>
             <a:endParaRPr lang="en-US"/>
           </a:p>
@@ -2444,7 +2449,7 @@
           <a:p>
             <a:fld id="{FDB65114-51EC-8D47-87B1-3FB5531063A6}" type="datetimeFigureOut">
               <a:rPr lang="en-US" smtClean="0"/>
-              <a:t>11/12/22</a:t>
+              <a:t>11/14/22</a:t>
             </a:fld>
             <a:endParaRPr lang="en-US"/>
           </a:p>
@@ -2701,7 +2706,7 @@
           <a:p>
             <a:fld id="{FDB65114-51EC-8D47-87B1-3FB5531063A6}" type="datetimeFigureOut">
               <a:rPr lang="en-US" smtClean="0"/>
-              <a:t>11/12/22</a:t>
+              <a:t>11/14/22</a:t>
             </a:fld>
             <a:endParaRPr lang="en-US"/>
           </a:p>
@@ -2914,7 +2919,7 @@
           <a:p>
             <a:fld id="{FDB65114-51EC-8D47-87B1-3FB5531063A6}" type="datetimeFigureOut">
               <a:rPr lang="en-US" smtClean="0"/>
-              <a:t>11/12/22</a:t>
+              <a:t>11/14/22</a:t>
             </a:fld>
             <a:endParaRPr lang="en-US"/>
           </a:p>
@@ -3319,36 +3324,6 @@
           <a:chExt cx="0" cy="0"/>
         </a:xfrm>
       </p:grpSpPr>
-      <p:pic>
-        <p:nvPicPr>
-          <p:cNvPr id="5" name="Picture 4">
-            <a:extLst>
-              <a:ext uri="{FF2B5EF4-FFF2-40B4-BE49-F238E27FC236}">
-                <a16:creationId xmlns:a16="http://schemas.microsoft.com/office/drawing/2014/main" id="{F9EF80D0-44E7-D0E2-6916-9977F5018580}"/>
-              </a:ext>
-            </a:extLst>
-          </p:cNvPr>
-          <p:cNvPicPr>
-            <a:picLocks noChangeAspect="1"/>
-          </p:cNvPicPr>
-          <p:nvPr/>
-        </p:nvPicPr>
-        <p:blipFill>
-          <a:blip r:embed="rId2"/>
-          <a:stretch>
-            <a:fillRect/>
-          </a:stretch>
-        </p:blipFill>
-        <p:spPr>
-          <a:xfrm>
-            <a:off x="457201" y="9209723"/>
-            <a:ext cx="6672649" cy="404812"/>
-          </a:xfrm>
-          <a:prstGeom prst="rect">
-            <a:avLst/>
-          </a:prstGeom>
-        </p:spPr>
-      </p:pic>
       <p:sp>
         <p:nvSpPr>
           <p:cNvPr id="6" name="TextBox 5">
@@ -3363,7 +3338,7 @@
         </p:nvSpPr>
         <p:spPr>
           <a:xfrm>
-            <a:off x="457202" y="1229820"/>
+            <a:off x="395415" y="1253267"/>
             <a:ext cx="6672649" cy="2862322"/>
           </a:xfrm>
           <a:prstGeom prst="rect">
@@ -3403,7 +3378,7 @@
         </p:nvSpPr>
         <p:spPr>
           <a:xfrm>
-            <a:off x="457201" y="4092142"/>
+            <a:off x="366596" y="4081207"/>
             <a:ext cx="6672649" cy="707886"/>
           </a:xfrm>
           <a:prstGeom prst="rect">
@@ -3484,7 +3459,7 @@
           <p:nvPr/>
         </p:nvPicPr>
         <p:blipFill>
-          <a:blip r:embed="rId3">
+          <a:blip r:embed="rId2">
             <a:extLst>
               <a:ext uri="{28A0092B-C50C-407E-A947-70E740481C1C}">
                 <a14:useLocalDpi xmlns:a14="http://schemas.microsoft.com/office/drawing/2010/main" val="0"/>
@@ -3497,8 +3472,162 @@
         </p:blipFill>
         <p:spPr>
           <a:xfrm>
-            <a:off x="1316990" y="5134803"/>
-            <a:ext cx="5138420" cy="918845"/>
+            <a:off x="1303851" y="5119484"/>
+            <a:ext cx="5164698" cy="923544"/>
+          </a:xfrm>
+          <a:prstGeom prst="rect">
+            <a:avLst/>
+          </a:prstGeom>
+        </p:spPr>
+      </p:pic>
+      <p:pic>
+        <p:nvPicPr>
+          <p:cNvPr id="9" name="Picture 8">
+            <a:extLst>
+              <a:ext uri="{FF2B5EF4-FFF2-40B4-BE49-F238E27FC236}">
+                <a16:creationId xmlns:a16="http://schemas.microsoft.com/office/drawing/2014/main" id="{68EFEDB6-52AD-F445-DBD3-CB97986B3ED6}"/>
+              </a:ext>
+            </a:extLst>
+          </p:cNvPr>
+          <p:cNvPicPr>
+            <a:picLocks noChangeAspect="1"/>
+          </p:cNvPicPr>
+          <p:nvPr/>
+        </p:nvPicPr>
+        <p:blipFill>
+          <a:blip r:embed="rId3"/>
+          <a:stretch>
+            <a:fillRect/>
+          </a:stretch>
+        </p:blipFill>
+        <p:spPr>
+          <a:xfrm>
+            <a:off x="4032189" y="9201092"/>
+            <a:ext cx="1273111" cy="311205"/>
+          </a:xfrm>
+          <a:prstGeom prst="rect">
+            <a:avLst/>
+          </a:prstGeom>
+        </p:spPr>
+      </p:pic>
+      <p:pic>
+        <p:nvPicPr>
+          <p:cNvPr id="12" name="Picture 11">
+            <a:extLst>
+              <a:ext uri="{FF2B5EF4-FFF2-40B4-BE49-F238E27FC236}">
+                <a16:creationId xmlns:a16="http://schemas.microsoft.com/office/drawing/2014/main" id="{F217A9F1-83F5-B0A0-BCB6-3AE6A883E085}"/>
+              </a:ext>
+            </a:extLst>
+          </p:cNvPr>
+          <p:cNvPicPr>
+            <a:picLocks noChangeAspect="1"/>
+          </p:cNvPicPr>
+          <p:nvPr/>
+        </p:nvPicPr>
+        <p:blipFill rotWithShape="1">
+          <a:blip r:embed="rId4"/>
+          <a:srcRect l="65333" t="5713" r="22090" b="10193"/>
+          <a:stretch/>
+        </p:blipFill>
+        <p:spPr>
+          <a:xfrm>
+            <a:off x="3013385" y="9201092"/>
+            <a:ext cx="758536" cy="307708"/>
+          </a:xfrm>
+          <a:prstGeom prst="rect">
+            <a:avLst/>
+          </a:prstGeom>
+        </p:spPr>
+      </p:pic>
+      <p:pic>
+        <p:nvPicPr>
+          <p:cNvPr id="14" name="Picture 13">
+            <a:extLst>
+              <a:ext uri="{FF2B5EF4-FFF2-40B4-BE49-F238E27FC236}">
+                <a16:creationId xmlns:a16="http://schemas.microsoft.com/office/drawing/2014/main" id="{958B57DE-AEAB-320E-771E-C1209CE463CC}"/>
+              </a:ext>
+            </a:extLst>
+          </p:cNvPr>
+          <p:cNvPicPr>
+            <a:picLocks noChangeAspect="1"/>
+          </p:cNvPicPr>
+          <p:nvPr/>
+        </p:nvPicPr>
+        <p:blipFill>
+          <a:blip r:embed="rId5"/>
+          <a:stretch>
+            <a:fillRect/>
+          </a:stretch>
+        </p:blipFill>
+        <p:spPr>
+          <a:xfrm>
+            <a:off x="496785" y="9183175"/>
+            <a:ext cx="912420" cy="337365"/>
+          </a:xfrm>
+          <a:prstGeom prst="rect">
+            <a:avLst/>
+          </a:prstGeom>
+        </p:spPr>
+      </p:pic>
+      <p:pic>
+        <p:nvPicPr>
+          <p:cNvPr id="16" name="Picture 15">
+            <a:extLst>
+              <a:ext uri="{FF2B5EF4-FFF2-40B4-BE49-F238E27FC236}">
+                <a16:creationId xmlns:a16="http://schemas.microsoft.com/office/drawing/2014/main" id="{764AFCB7-0E8F-BFA3-B12F-F79C26FC5AF4}"/>
+              </a:ext>
+            </a:extLst>
+          </p:cNvPr>
+          <p:cNvPicPr>
+            <a:picLocks noChangeAspect="1"/>
+          </p:cNvPicPr>
+          <p:nvPr/>
+        </p:nvPicPr>
+        <p:blipFill>
+          <a:blip r:embed="rId6"/>
+          <a:stretch>
+            <a:fillRect/>
+          </a:stretch>
+        </p:blipFill>
+        <p:spPr>
+          <a:xfrm>
+            <a:off x="1753118" y="9201092"/>
+            <a:ext cx="1080653" cy="303205"/>
+          </a:xfrm>
+          <a:prstGeom prst="rect">
+            <a:avLst/>
+          </a:prstGeom>
+        </p:spPr>
+      </p:pic>
+      <p:pic>
+        <p:nvPicPr>
+          <p:cNvPr id="18" name="Graphic 17">
+            <a:extLst>
+              <a:ext uri="{FF2B5EF4-FFF2-40B4-BE49-F238E27FC236}">
+                <a16:creationId xmlns:a16="http://schemas.microsoft.com/office/drawing/2014/main" id="{A98AB359-F2B8-6A95-E3E9-6AA7B72D456A}"/>
+              </a:ext>
+            </a:extLst>
+          </p:cNvPr>
+          <p:cNvPicPr>
+            <a:picLocks noChangeAspect="1"/>
+          </p:cNvPicPr>
+          <p:nvPr/>
+        </p:nvPicPr>
+        <p:blipFill rotWithShape="1">
+          <a:blip r:embed="rId7">
+            <a:extLst>
+              <a:ext uri="{96DAC541-7B7A-43D3-8B79-37D633B846F1}">
+                <asvg:svgBlip xmlns:asvg="http://schemas.microsoft.com/office/drawing/2016/SVG/main" r:embed="rId8"/>
+              </a:ext>
+            </a:extLst>
+          </a:blip>
+          <a:srcRect t="40227" b="39678"/>
+          <a:stretch/>
+        </p:blipFill>
+        <p:spPr>
+          <a:xfrm>
+            <a:off x="5565568" y="9206198"/>
+            <a:ext cx="1564282" cy="314342"/>
           </a:xfrm>
           <a:prstGeom prst="rect">
             <a:avLst/>
@@ -3535,36 +3664,6 @@
           <a:chExt cx="0" cy="0"/>
         </a:xfrm>
       </p:grpSpPr>
-      <p:pic>
-        <p:nvPicPr>
-          <p:cNvPr id="5" name="Picture 4">
-            <a:extLst>
-              <a:ext uri="{FF2B5EF4-FFF2-40B4-BE49-F238E27FC236}">
-                <a16:creationId xmlns:a16="http://schemas.microsoft.com/office/drawing/2014/main" id="{F9EF80D0-44E7-D0E2-6916-9977F5018580}"/>
-              </a:ext>
-            </a:extLst>
-          </p:cNvPr>
-          <p:cNvPicPr>
-            <a:picLocks noChangeAspect="1"/>
-          </p:cNvPicPr>
-          <p:nvPr/>
-        </p:nvPicPr>
-        <p:blipFill>
-          <a:blip r:embed="rId2"/>
-          <a:stretch>
-            <a:fillRect/>
-          </a:stretch>
-        </p:blipFill>
-        <p:spPr>
-          <a:xfrm>
-            <a:off x="457201" y="9209723"/>
-            <a:ext cx="6672649" cy="404812"/>
-          </a:xfrm>
-          <a:prstGeom prst="rect">
-            <a:avLst/>
-          </a:prstGeom>
-        </p:spPr>
-      </p:pic>
       <p:sp>
         <p:nvSpPr>
           <p:cNvPr id="6" name="TextBox 5">
@@ -3579,7 +3678,7 @@
         </p:nvSpPr>
         <p:spPr>
           <a:xfrm>
-            <a:off x="457202" y="1229820"/>
+            <a:off x="395415" y="1253267"/>
             <a:ext cx="6672649" cy="2862322"/>
           </a:xfrm>
           <a:prstGeom prst="rect">
@@ -3619,7 +3718,7 @@
         </p:nvSpPr>
         <p:spPr>
           <a:xfrm>
-            <a:off x="457201" y="4092142"/>
+            <a:off x="366596" y="4081207"/>
             <a:ext cx="6672649" cy="707886"/>
           </a:xfrm>
           <a:prstGeom prst="rect">
@@ -3700,7 +3799,7 @@
           <p:nvPr/>
         </p:nvPicPr>
         <p:blipFill>
-          <a:blip r:embed="rId3">
+          <a:blip r:embed="rId2">
             <a:extLst>
               <a:ext uri="{28A0092B-C50C-407E-A947-70E740481C1C}">
                 <a14:useLocalDpi xmlns:a14="http://schemas.microsoft.com/office/drawing/2010/main" val="0"/>
@@ -3713,8 +3812,162 @@
         </p:blipFill>
         <p:spPr>
           <a:xfrm>
-            <a:off x="1316990" y="5134803"/>
-            <a:ext cx="5138420" cy="918845"/>
+            <a:off x="1303851" y="5119484"/>
+            <a:ext cx="5164698" cy="923544"/>
+          </a:xfrm>
+          <a:prstGeom prst="rect">
+            <a:avLst/>
+          </a:prstGeom>
+        </p:spPr>
+      </p:pic>
+      <p:pic>
+        <p:nvPicPr>
+          <p:cNvPr id="9" name="Picture 8">
+            <a:extLst>
+              <a:ext uri="{FF2B5EF4-FFF2-40B4-BE49-F238E27FC236}">
+                <a16:creationId xmlns:a16="http://schemas.microsoft.com/office/drawing/2014/main" id="{68EFEDB6-52AD-F445-DBD3-CB97986B3ED6}"/>
+              </a:ext>
+            </a:extLst>
+          </p:cNvPr>
+          <p:cNvPicPr>
+            <a:picLocks noChangeAspect="1"/>
+          </p:cNvPicPr>
+          <p:nvPr/>
+        </p:nvPicPr>
+        <p:blipFill>
+          <a:blip r:embed="rId3"/>
+          <a:stretch>
+            <a:fillRect/>
+          </a:stretch>
+        </p:blipFill>
+        <p:spPr>
+          <a:xfrm>
+            <a:off x="4032189" y="9201092"/>
+            <a:ext cx="1273111" cy="311205"/>
+          </a:xfrm>
+          <a:prstGeom prst="rect">
+            <a:avLst/>
+          </a:prstGeom>
+        </p:spPr>
+      </p:pic>
+      <p:pic>
+        <p:nvPicPr>
+          <p:cNvPr id="12" name="Picture 11">
+            <a:extLst>
+              <a:ext uri="{FF2B5EF4-FFF2-40B4-BE49-F238E27FC236}">
+                <a16:creationId xmlns:a16="http://schemas.microsoft.com/office/drawing/2014/main" id="{F217A9F1-83F5-B0A0-BCB6-3AE6A883E085}"/>
+              </a:ext>
+            </a:extLst>
+          </p:cNvPr>
+          <p:cNvPicPr>
+            <a:picLocks noChangeAspect="1"/>
+          </p:cNvPicPr>
+          <p:nvPr/>
+        </p:nvPicPr>
+        <p:blipFill rotWithShape="1">
+          <a:blip r:embed="rId4"/>
+          <a:srcRect l="65333" t="5713" r="22090" b="10193"/>
+          <a:stretch/>
+        </p:blipFill>
+        <p:spPr>
+          <a:xfrm>
+            <a:off x="3013385" y="9201092"/>
+            <a:ext cx="758536" cy="307708"/>
+          </a:xfrm>
+          <a:prstGeom prst="rect">
+            <a:avLst/>
+          </a:prstGeom>
+        </p:spPr>
+      </p:pic>
+      <p:pic>
+        <p:nvPicPr>
+          <p:cNvPr id="14" name="Picture 13">
+            <a:extLst>
+              <a:ext uri="{FF2B5EF4-FFF2-40B4-BE49-F238E27FC236}">
+                <a16:creationId xmlns:a16="http://schemas.microsoft.com/office/drawing/2014/main" id="{958B57DE-AEAB-320E-771E-C1209CE463CC}"/>
+              </a:ext>
+            </a:extLst>
+          </p:cNvPr>
+          <p:cNvPicPr>
+            <a:picLocks noChangeAspect="1"/>
+          </p:cNvPicPr>
+          <p:nvPr/>
+        </p:nvPicPr>
+        <p:blipFill>
+          <a:blip r:embed="rId5"/>
+          <a:stretch>
+            <a:fillRect/>
+          </a:stretch>
+        </p:blipFill>
+        <p:spPr>
+          <a:xfrm>
+            <a:off x="496785" y="9183175"/>
+            <a:ext cx="912420" cy="337365"/>
+          </a:xfrm>
+          <a:prstGeom prst="rect">
+            <a:avLst/>
+          </a:prstGeom>
+        </p:spPr>
+      </p:pic>
+      <p:pic>
+        <p:nvPicPr>
+          <p:cNvPr id="16" name="Picture 15">
+            <a:extLst>
+              <a:ext uri="{FF2B5EF4-FFF2-40B4-BE49-F238E27FC236}">
+                <a16:creationId xmlns:a16="http://schemas.microsoft.com/office/drawing/2014/main" id="{764AFCB7-0E8F-BFA3-B12F-F79C26FC5AF4}"/>
+              </a:ext>
+            </a:extLst>
+          </p:cNvPr>
+          <p:cNvPicPr>
+            <a:picLocks noChangeAspect="1"/>
+          </p:cNvPicPr>
+          <p:nvPr/>
+        </p:nvPicPr>
+        <p:blipFill>
+          <a:blip r:embed="rId6"/>
+          <a:stretch>
+            <a:fillRect/>
+          </a:stretch>
+        </p:blipFill>
+        <p:spPr>
+          <a:xfrm>
+            <a:off x="1753118" y="9201092"/>
+            <a:ext cx="1080653" cy="303205"/>
+          </a:xfrm>
+          <a:prstGeom prst="rect">
+            <a:avLst/>
+          </a:prstGeom>
+        </p:spPr>
+      </p:pic>
+      <p:pic>
+        <p:nvPicPr>
+          <p:cNvPr id="18" name="Graphic 17">
+            <a:extLst>
+              <a:ext uri="{FF2B5EF4-FFF2-40B4-BE49-F238E27FC236}">
+                <a16:creationId xmlns:a16="http://schemas.microsoft.com/office/drawing/2014/main" id="{A98AB359-F2B8-6A95-E3E9-6AA7B72D456A}"/>
+              </a:ext>
+            </a:extLst>
+          </p:cNvPr>
+          <p:cNvPicPr>
+            <a:picLocks noChangeAspect="1"/>
+          </p:cNvPicPr>
+          <p:nvPr/>
+        </p:nvPicPr>
+        <p:blipFill rotWithShape="1">
+          <a:blip r:embed="rId7">
+            <a:extLst>
+              <a:ext uri="{96DAC541-7B7A-43D3-8B79-37D633B846F1}">
+                <asvg:svgBlip xmlns:asvg="http://schemas.microsoft.com/office/drawing/2016/SVG/main" r:embed="rId8"/>
+              </a:ext>
+            </a:extLst>
+          </a:blip>
+          <a:srcRect t="40227" b="39678"/>
+          <a:stretch/>
+        </p:blipFill>
+        <p:spPr>
+          <a:xfrm>
+            <a:off x="5565568" y="9206198"/>
+            <a:ext cx="1564282" cy="314342"/>
           </a:xfrm>
           <a:prstGeom prst="rect">
             <a:avLst/>
@@ -3724,7 +3977,7 @@
     </p:spTree>
     <p:extLst>
       <p:ext uri="{BB962C8B-B14F-4D97-AF65-F5344CB8AC3E}">
-        <p14:creationId xmlns:p14="http://schemas.microsoft.com/office/powerpoint/2010/main" val="3708114029"/>
+        <p14:creationId xmlns:p14="http://schemas.microsoft.com/office/powerpoint/2010/main" val="246139245"/>
       </p:ext>
     </p:extLst>
   </p:cSld>
